--- a/doc/Handuino présentation finale.pptx
+++ b/doc/Handuino présentation finale.pptx
@@ -140,6 +140,10 @@
 </p:presentation>
 </file>
 
+<file path=ppt/revisionInfo.xml><?xml version="1.0" encoding="utf-8"?>
+<p1510:revInfo xmlns:a="http://schemas.openxmlformats.org/drawingml/2006/main" xmlns:r="http://schemas.openxmlformats.org/officeDocument/2006/relationships" xmlns:p1510="http://schemas.microsoft.com/office/powerpoint/2015/10/main"/>
+</file>
+
 <file path=ppt/handoutMasters/handoutMaster1.xml><?xml version="1.0" encoding="utf-8"?>
 <p:handoutMaster xmlns:a="http://schemas.openxmlformats.org/drawingml/2006/main" xmlns:r="http://schemas.openxmlformats.org/officeDocument/2006/relationships" xmlns:p="http://schemas.openxmlformats.org/presentationml/2006/main">
   <p:cSld>
@@ -224,7 +228,7 @@
             <a:pPr algn="r" rtl="0"/>
             <a:fld id="{85FB9A08-40BC-47B5-8130-616BDCF09507}" type="datetime1">
               <a:rPr lang="fr-FR" smtClean="0"/>
-              <a:t>30/05/2018</a:t>
+              <a:t>31/05/2018</a:t>
             </a:fld>
             <a:endParaRPr lang="fr-FR" dirty="0"/>
           </a:p>
@@ -394,7 +398,7 @@
             <a:fld id="{082B9BC8-1895-4EB7-B2E1-D3911C69AD0C}" type="datetime1">
               <a:rPr lang="fr-FR" smtClean="0"/>
               <a:pPr/>
-              <a:t>30/05/2018</a:t>
+              <a:t>31/05/2018</a:t>
             </a:fld>
             <a:endParaRPr lang="fr-FR" dirty="0"/>
           </a:p>
@@ -1037,7 +1041,7 @@
             <a:fld id="{B0AE1499-D871-4B5A-815F-37F8E0C46F8C}" type="datetime1">
               <a:rPr lang="fr-FR" smtClean="0"/>
               <a:pPr/>
-              <a:t>30/05/2018</a:t>
+              <a:t>31/05/2018</a:t>
             </a:fld>
             <a:endParaRPr lang="fr-FR" dirty="0"/>
           </a:p>
@@ -1229,7 +1233,7 @@
             <a:fld id="{7CFD53AE-A1A9-4971-B817-D6F393C7FE35}" type="datetime1">
               <a:rPr lang="fr-FR" smtClean="0"/>
               <a:pPr/>
-              <a:t>30/05/2018</a:t>
+              <a:t>31/05/2018</a:t>
             </a:fld>
             <a:endParaRPr lang="fr-FR" dirty="0"/>
           </a:p>
@@ -1415,7 +1419,7 @@
             <a:fld id="{B4EA85BC-BD2B-458E-8340-8D31B4F152AE}" type="datetime1">
               <a:rPr lang="fr-FR" smtClean="0"/>
               <a:pPr/>
-              <a:t>30/05/2018</a:t>
+              <a:t>31/05/2018</a:t>
             </a:fld>
             <a:endParaRPr lang="fr-FR" dirty="0"/>
           </a:p>
@@ -1863,7 +1867,7 @@
             <a:fld id="{2C9DB741-A3C2-4C75-A4D1-97F129BE9491}" type="datetime1">
               <a:rPr lang="fr-FR" smtClean="0"/>
               <a:pPr/>
-              <a:t>30/05/2018</a:t>
+              <a:t>31/05/2018</a:t>
             </a:fld>
             <a:endParaRPr lang="fr-FR" dirty="0"/>
           </a:p>
@@ -2315,7 +2319,7 @@
             <a:fld id="{11B59C61-65A8-4FB6-8060-9ACE25B631CB}" type="datetime1">
               <a:rPr lang="fr-FR" noProof="0" smtClean="0"/>
               <a:pPr/>
-              <a:t>30/05/2018</a:t>
+              <a:t>31/05/2018</a:t>
             </a:fld>
             <a:endParaRPr lang="fr-FR" noProof="0" dirty="0"/>
           </a:p>
@@ -2445,7 +2449,7 @@
             <a:fld id="{B19C7B91-9FE1-44A2-8FAA-E998ADCC26EE}" type="datetime1">
               <a:rPr lang="fr-FR" smtClean="0"/>
               <a:pPr/>
-              <a:t>30/05/2018</a:t>
+              <a:t>31/05/2018</a:t>
             </a:fld>
             <a:endParaRPr lang="fr-FR" dirty="0"/>
           </a:p>
@@ -2551,7 +2555,7 @@
             <a:fld id="{24294901-3B67-4101-8D94-E7F6C7A7004D}" type="datetime1">
               <a:rPr lang="fr-FR" smtClean="0"/>
               <a:pPr/>
-              <a:t>30/05/2018</a:t>
+              <a:t>31/05/2018</a:t>
             </a:fld>
             <a:endParaRPr lang="fr-FR" dirty="0"/>
           </a:p>
@@ -2847,7 +2851,7 @@
             <a:fld id="{36311718-BEC8-4DB8-9B0A-52986EABC5C9}" type="datetime1">
               <a:rPr lang="fr-FR" smtClean="0"/>
               <a:pPr/>
-              <a:t>30/05/2018</a:t>
+              <a:t>31/05/2018</a:t>
             </a:fld>
             <a:endParaRPr lang="fr-FR" dirty="0"/>
           </a:p>
@@ -3173,7 +3177,7 @@
             <a:fld id="{E883871E-5D80-4EDF-9E01-94E184402302}" type="datetime1">
               <a:rPr lang="fr-FR" smtClean="0"/>
               <a:pPr/>
-              <a:t>30/05/2018</a:t>
+              <a:t>31/05/2018</a:t>
             </a:fld>
             <a:endParaRPr lang="fr-FR" dirty="0"/>
           </a:p>
@@ -3392,7 +3396,7 @@
             <a:fld id="{A9F01D7A-F2CA-4D89-BC48-D8C829AA64E1}" type="datetime1">
               <a:rPr lang="fr-FR" smtClean="0"/>
               <a:pPr/>
-              <a:t>30/05/2018</a:t>
+              <a:t>31/05/2018</a:t>
             </a:fld>
             <a:endParaRPr lang="fr-FR" dirty="0"/>
           </a:p>
@@ -4039,7 +4043,7 @@
           <a:p>
             <a:r>
               <a:rPr lang="fr-FR" dirty="0"/>
-              <a:t>Objectif du projet</a:t>
+              <a:t>Objectifs du projet</a:t>
             </a:r>
           </a:p>
           <a:p>
@@ -4143,7 +4147,7 @@
             <a:pPr algn="ctr"/>
             <a:r>
               <a:rPr lang="fr-FR" dirty="0"/>
-              <a:t>Objectif du projet </a:t>
+              <a:t>Objectifs du projet </a:t>
             </a:r>
           </a:p>
         </p:txBody>
@@ -5330,10 +5334,10 @@
       </p:sp>
       <p:pic>
         <p:nvPicPr>
-          <p:cNvPr id="4" name="Image 3">
+          <p:cNvPr id="5" name="Image 4">
             <a:extLst>
               <a:ext uri="{FF2B5EF4-FFF2-40B4-BE49-F238E27FC236}">
-                <a16:creationId xmlns:a16="http://schemas.microsoft.com/office/drawing/2014/main" id="{F904524F-F92C-4732-96F4-A9B772EAF863}"/>
+                <a16:creationId xmlns:a16="http://schemas.microsoft.com/office/drawing/2014/main" id="{9E0C0C7A-ABDB-4EDA-8952-864D5A81BFF8}"/>
               </a:ext>
             </a:extLst>
           </p:cNvPr>
@@ -5356,8 +5360,8 @@
         </p:blipFill>
         <p:spPr>
           <a:xfrm>
-            <a:off x="489594" y="1916832"/>
-            <a:ext cx="5524179" cy="4480193"/>
+            <a:off x="479376" y="1743647"/>
+            <a:ext cx="5328592" cy="4828801"/>
           </a:xfrm>
           <a:prstGeom prst="rect">
             <a:avLst/>
@@ -5567,7 +5571,7 @@
         <p:spPr>
           <a:xfrm>
             <a:off x="6384032" y="2385707"/>
-            <a:ext cx="5205013" cy="3693319"/>
+            <a:ext cx="5328592" cy="3693319"/>
           </a:xfrm>
           <a:prstGeom prst="rect">
             <a:avLst/>
@@ -5605,7 +5609,7 @@
           <a:p>
             <a:r>
               <a:rPr lang="fr-FR" dirty="0"/>
-              <a:t>Module radio récupère les données envoyé par la partie gant</a:t>
+              <a:t>Module radio récupère les données envoyées par la partie gant</a:t>
             </a:r>
           </a:p>
           <a:p>
@@ -5934,7 +5938,7 @@
           <a:p>
             <a:r>
               <a:rPr lang="fr-FR" dirty="0"/>
-              <a:t>Installer les fils de pêches</a:t>
+              <a:t>Installer les fils de pêche</a:t>
             </a:r>
           </a:p>
           <a:p>
@@ -6998,15 +7002,6 @@
 </file>
 
 <file path=customXml/item2.xml><?xml version="1.0" encoding="utf-8"?>
-<?mso-contentType ?>
-<FormTemplates xmlns="http://schemas.microsoft.com/sharepoint/v3/contenttype/forms">
-  <Display>DocumentLibraryForm</Display>
-  <Edit>AssetEditForm</Edit>
-  <New>DocumentLibraryForm</New>
-</FormTemplates>
-</file>
-
-<file path=customXml/item3.xml><?xml version="1.0" encoding="utf-8"?>
 <ct:contentTypeSchema xmlns:ct="http://schemas.microsoft.com/office/2006/metadata/contentType" xmlns:ma="http://schemas.microsoft.com/office/2006/metadata/properties/metaAttributes" ct:_="" ma:_="" ma:contentTypeName="TemplateFile" ma:contentTypeID="0x0101006EDDDB5EE6D98C44930B742096920B300400F5B6D36B3EF94B4E9A635CDF2A18F5B8" ma:contentTypeVersion="72" ma:contentTypeDescription="Create a new document." ma:contentTypeScope="" ma:versionID="a23e56308344d904b51738559c3d67c9">
   <xsd:schema xmlns:xsd="http://www.w3.org/2001/XMLSchema" xmlns:xs="http://www.w3.org/2001/XMLSchema" xmlns:p="http://schemas.microsoft.com/office/2006/metadata/properties" xmlns:ns2="4873beb7-5857-4685-be1f-d57550cc96cc" targetNamespace="http://schemas.microsoft.com/office/2006/metadata/properties" ma:root="true" ma:fieldsID="cd0908cc4600e77bf5da051303e00c8d" ns2:_="">
     <xsd:import namespace="4873beb7-5857-4685-be1f-d57550cc96cc"/>
@@ -8046,31 +8041,32 @@
 </ct:contentTypeSchema>
 </file>
 
+<file path=customXml/item3.xml><?xml version="1.0" encoding="utf-8"?>
+<?mso-contentType ?>
+<FormTemplates xmlns="http://schemas.microsoft.com/sharepoint/v3/contenttype/forms">
+  <Display>DocumentLibraryForm</Display>
+  <Edit>AssetEditForm</Edit>
+  <New>DocumentLibraryForm</New>
+</FormTemplates>
+</file>
+
 <file path=customXml/itemProps1.xml><?xml version="1.0" encoding="utf-8"?>
 <ds:datastoreItem xmlns:ds="http://schemas.openxmlformats.org/officeDocument/2006/customXml" ds:itemID="{04098515-0C12-46CF-BC7C-69B4A13CD5FA}">
   <ds:schemaRefs>
-    <ds:schemaRef ds:uri="http://schemas.microsoft.com/office/2006/documentManagement/types"/>
     <ds:schemaRef ds:uri="4873beb7-5857-4685-be1f-d57550cc96cc"/>
     <ds:schemaRef ds:uri="http://schemas.openxmlformats.org/package/2006/metadata/core-properties"/>
+    <ds:schemaRef ds:uri="http://purl.org/dc/terms/"/>
+    <ds:schemaRef ds:uri="http://schemas.microsoft.com/office/infopath/2007/PartnerControls"/>
+    <ds:schemaRef ds:uri="http://purl.org/dc/dcmitype/"/>
+    <ds:schemaRef ds:uri="http://schemas.microsoft.com/office/2006/documentManagement/types"/>
     <ds:schemaRef ds:uri="http://purl.org/dc/elements/1.1/"/>
     <ds:schemaRef ds:uri="http://schemas.microsoft.com/office/2006/metadata/properties"/>
-    <ds:schemaRef ds:uri="http://purl.org/dc/terms/"/>
-    <ds:schemaRef ds:uri="http://schemas.microsoft.com/office/infopath/2007/PartnerControls"/>
     <ds:schemaRef ds:uri="http://www.w3.org/XML/1998/namespace"/>
-    <ds:schemaRef ds:uri="http://purl.org/dc/dcmitype/"/>
   </ds:schemaRefs>
 </ds:datastoreItem>
 </file>
 
 <file path=customXml/itemProps2.xml><?xml version="1.0" encoding="utf-8"?>
-<ds:datastoreItem xmlns:ds="http://schemas.openxmlformats.org/officeDocument/2006/customXml" ds:itemID="{746CFF6F-D9AA-4BC0-911A-0A1356771912}">
-  <ds:schemaRefs>
-    <ds:schemaRef ds:uri="http://schemas.microsoft.com/sharepoint/v3/contenttype/forms"/>
-  </ds:schemaRefs>
-</ds:datastoreItem>
-</file>
-
-<file path=customXml/itemProps3.xml><?xml version="1.0" encoding="utf-8"?>
 <ds:datastoreItem xmlns:ds="http://schemas.openxmlformats.org/officeDocument/2006/customXml" ds:itemID="{0B5C6E15-39DC-470B-9445-F754B9458020}">
   <ds:schemaRefs>
     <ds:schemaRef ds:uri="http://schemas.microsoft.com/office/2006/metadata/contentType"/>
@@ -8086,4 +8082,12 @@
     <ds:schemaRef ds:uri="http://schemas.microsoft.com/internal/obd"/>
   </ds:schemaRefs>
 </ds:datastoreItem>
+</file>
+
+<file path=customXml/itemProps3.xml><?xml version="1.0" encoding="utf-8"?>
+<ds:datastoreItem xmlns:ds="http://schemas.openxmlformats.org/officeDocument/2006/customXml" ds:itemID="{746CFF6F-D9AA-4BC0-911A-0A1356771912}">
+  <ds:schemaRefs>
+    <ds:schemaRef ds:uri="http://schemas.microsoft.com/sharepoint/v3/contenttype/forms"/>
+  </ds:schemaRefs>
+</ds:datastoreItem>
 </file>